--- a/News/News.pptx
+++ b/News/News.pptx
@@ -852,7 +852,7 @@
           <a:p>
             <a:fld id="{252F7152-2E34-4CF8-96E1-9C0B6BE1AFF1}" type="datetimeFigureOut">
               <a:rPr lang="ru-RU" smtClean="0"/>
-              <a:t>08.05.2015</a:t>
+              <a:t>12.05.2015</a:t>
             </a:fld>
             <a:endParaRPr lang="ru-RU"/>
           </a:p>
@@ -1103,7 +1103,7 @@
           <a:p>
             <a:fld id="{252F7152-2E34-4CF8-96E1-9C0B6BE1AFF1}" type="datetimeFigureOut">
               <a:rPr lang="ru-RU" smtClean="0"/>
-              <a:t>08.05.2015</a:t>
+              <a:t>12.05.2015</a:t>
             </a:fld>
             <a:endParaRPr lang="ru-RU"/>
           </a:p>
@@ -1417,7 +1417,7 @@
           <a:p>
             <a:fld id="{252F7152-2E34-4CF8-96E1-9C0B6BE1AFF1}" type="datetimeFigureOut">
               <a:rPr lang="ru-RU" smtClean="0"/>
-              <a:t>08.05.2015</a:t>
+              <a:t>12.05.2015</a:t>
             </a:fld>
             <a:endParaRPr lang="ru-RU"/>
           </a:p>
@@ -1758,7 +1758,7 @@
           <a:p>
             <a:fld id="{252F7152-2E34-4CF8-96E1-9C0B6BE1AFF1}" type="datetimeFigureOut">
               <a:rPr lang="ru-RU" smtClean="0"/>
-              <a:t>08.05.2015</a:t>
+              <a:t>12.05.2015</a:t>
             </a:fld>
             <a:endParaRPr lang="ru-RU"/>
           </a:p>
@@ -2072,7 +2072,7 @@
           <a:p>
             <a:fld id="{252F7152-2E34-4CF8-96E1-9C0B6BE1AFF1}" type="datetimeFigureOut">
               <a:rPr lang="ru-RU" smtClean="0"/>
-              <a:t>08.05.2015</a:t>
+              <a:t>12.05.2015</a:t>
             </a:fld>
             <a:endParaRPr lang="ru-RU"/>
           </a:p>
@@ -2465,7 +2465,7 @@
           <a:p>
             <a:fld id="{252F7152-2E34-4CF8-96E1-9C0B6BE1AFF1}" type="datetimeFigureOut">
               <a:rPr lang="ru-RU" smtClean="0"/>
-              <a:t>08.05.2015</a:t>
+              <a:t>12.05.2015</a:t>
             </a:fld>
             <a:endParaRPr lang="ru-RU"/>
           </a:p>
@@ -2635,7 +2635,7 @@
           <a:p>
             <a:fld id="{252F7152-2E34-4CF8-96E1-9C0B6BE1AFF1}" type="datetimeFigureOut">
               <a:rPr lang="ru-RU" smtClean="0"/>
-              <a:t>08.05.2015</a:t>
+              <a:t>12.05.2015</a:t>
             </a:fld>
             <a:endParaRPr lang="ru-RU"/>
           </a:p>
@@ -2815,7 +2815,7 @@
           <a:p>
             <a:fld id="{252F7152-2E34-4CF8-96E1-9C0B6BE1AFF1}" type="datetimeFigureOut">
               <a:rPr lang="ru-RU" smtClean="0"/>
-              <a:t>08.05.2015</a:t>
+              <a:t>12.05.2015</a:t>
             </a:fld>
             <a:endParaRPr lang="ru-RU"/>
           </a:p>
@@ -2991,7 +2991,7 @@
           <a:p>
             <a:fld id="{252F7152-2E34-4CF8-96E1-9C0B6BE1AFF1}" type="datetimeFigureOut">
               <a:rPr lang="ru-RU" smtClean="0"/>
-              <a:t>08.05.2015</a:t>
+              <a:t>12.05.2015</a:t>
             </a:fld>
             <a:endParaRPr lang="ru-RU"/>
           </a:p>
@@ -3238,7 +3238,7 @@
           <a:p>
             <a:fld id="{252F7152-2E34-4CF8-96E1-9C0B6BE1AFF1}" type="datetimeFigureOut">
               <a:rPr lang="ru-RU" smtClean="0"/>
-              <a:t>08.05.2015</a:t>
+              <a:t>12.05.2015</a:t>
             </a:fld>
             <a:endParaRPr lang="ru-RU"/>
           </a:p>
@@ -3470,7 +3470,7 @@
           <a:p>
             <a:fld id="{252F7152-2E34-4CF8-96E1-9C0B6BE1AFF1}" type="datetimeFigureOut">
               <a:rPr lang="ru-RU" smtClean="0"/>
-              <a:t>08.05.2015</a:t>
+              <a:t>12.05.2015</a:t>
             </a:fld>
             <a:endParaRPr lang="ru-RU"/>
           </a:p>
@@ -3844,7 +3844,7 @@
           <a:p>
             <a:fld id="{252F7152-2E34-4CF8-96E1-9C0B6BE1AFF1}" type="datetimeFigureOut">
               <a:rPr lang="ru-RU" smtClean="0"/>
-              <a:t>08.05.2015</a:t>
+              <a:t>12.05.2015</a:t>
             </a:fld>
             <a:endParaRPr lang="ru-RU"/>
           </a:p>
@@ -3967,7 +3967,7 @@
           <a:p>
             <a:fld id="{252F7152-2E34-4CF8-96E1-9C0B6BE1AFF1}" type="datetimeFigureOut">
               <a:rPr lang="ru-RU" smtClean="0"/>
-              <a:t>08.05.2015</a:t>
+              <a:t>12.05.2015</a:t>
             </a:fld>
             <a:endParaRPr lang="ru-RU"/>
           </a:p>
@@ -4062,7 +4062,7 @@
           <a:p>
             <a:fld id="{252F7152-2E34-4CF8-96E1-9C0B6BE1AFF1}" type="datetimeFigureOut">
               <a:rPr lang="ru-RU" smtClean="0"/>
-              <a:t>08.05.2015</a:t>
+              <a:t>12.05.2015</a:t>
             </a:fld>
             <a:endParaRPr lang="ru-RU"/>
           </a:p>
@@ -4317,7 +4317,7 @@
           <a:p>
             <a:fld id="{252F7152-2E34-4CF8-96E1-9C0B6BE1AFF1}" type="datetimeFigureOut">
               <a:rPr lang="ru-RU" smtClean="0"/>
-              <a:t>08.05.2015</a:t>
+              <a:t>12.05.2015</a:t>
             </a:fld>
             <a:endParaRPr lang="ru-RU"/>
           </a:p>
@@ -4580,7 +4580,7 @@
           <a:p>
             <a:fld id="{252F7152-2E34-4CF8-96E1-9C0B6BE1AFF1}" type="datetimeFigureOut">
               <a:rPr lang="ru-RU" smtClean="0"/>
-              <a:t>08.05.2015</a:t>
+              <a:t>12.05.2015</a:t>
             </a:fld>
             <a:endParaRPr lang="ru-RU"/>
           </a:p>
@@ -5323,7 +5323,7 @@
           <a:p>
             <a:fld id="{252F7152-2E34-4CF8-96E1-9C0B6BE1AFF1}" type="datetimeFigureOut">
               <a:rPr lang="ru-RU" smtClean="0"/>
-              <a:t>08.05.2015</a:t>
+              <a:t>12.05.2015</a:t>
             </a:fld>
             <a:endParaRPr lang="ru-RU"/>
           </a:p>
@@ -6032,14 +6032,35 @@
           <a:lstStyle/>
           <a:p>
             <a:r>
+              <a:rPr lang="en-US" dirty="0"/>
+              <a:t>Definition and history </a:t>
+            </a:r>
+            <a:endParaRPr lang="en-US" dirty="0" smtClean="0"/>
+          </a:p>
+          <a:p>
+            <a:r>
+              <a:rPr lang="en-US" dirty="0"/>
+              <a:t>Carbon </a:t>
+            </a:r>
+            <a:r>
               <a:rPr lang="en-US" dirty="0" smtClean="0"/>
-              <a:t>Biography</a:t>
+              <a:t>nanotubes</a:t>
+            </a:r>
+          </a:p>
+          <a:p>
+            <a:r>
+              <a:rPr lang="en-US" dirty="0"/>
+              <a:t>Graphene</a:t>
             </a:r>
           </a:p>
           <a:p>
             <a:r>
               <a:rPr lang="en-US" dirty="0" smtClean="0"/>
-              <a:t>Concluding comments</a:t>
+              <a:t>Concluding </a:t>
+            </a:r>
+            <a:r>
+              <a:rPr lang="en-US" dirty="0" smtClean="0"/>
+              <a:t>comments</a:t>
             </a:r>
           </a:p>
         </p:txBody>
@@ -6787,11 +6808,7 @@
             </a:r>
             <a:r>
               <a:rPr lang="en-US" dirty="0"/>
-              <a:t> </a:t>
-            </a:r>
-            <a:r>
-              <a:rPr lang="en-US" dirty="0"/>
-              <a:t>Graphene</a:t>
+              <a:t> Graphene</a:t>
             </a:r>
           </a:p>
         </p:txBody>
@@ -6804,8 +6821,8 @@
         </p:nvSpPr>
         <p:spPr>
           <a:xfrm>
-            <a:off x="1934976" y="5150336"/>
-            <a:ext cx="1877437" cy="369332"/>
+            <a:off x="677334" y="5065319"/>
+            <a:ext cx="4365298" cy="369332"/>
           </a:xfrm>
           <a:prstGeom prst="rect">
             <a:avLst/>
@@ -6825,54 +6842,105 @@
                 <a:latin typeface="Arial" panose="020B0604020202020204" pitchFamily="34" charset="0"/>
                 <a:ea typeface="Calibri" panose="020F0502020204030204" pitchFamily="34" charset="0"/>
               </a:rPr>
-              <a:t>artificial muscles</a:t>
+              <a:t>Image of a hexagonal lattice of graphene</a:t>
             </a:r>
             <a:endParaRPr lang="ru-RU" dirty="0"/>
           </a:p>
         </p:txBody>
       </p:sp>
-      <p:sp>
-        <p:nvSpPr>
-          <p:cNvPr id="6" name="Прямоугольник 5"/>
-          <p:cNvSpPr/>
+      <p:pic>
+        <p:nvPicPr>
+          <p:cNvPr id="1026" name="Picture 2" descr="https://upload.wikimedia.org/wikipedia/ru/0/0a/Graphene_Crystal_Structure.gif"/>
+          <p:cNvPicPr>
+            <a:picLocks noChangeAspect="1" noChangeArrowheads="1"/>
+          </p:cNvPicPr>
           <p:nvPr/>
-        </p:nvSpPr>
-        <p:spPr>
+        </p:nvPicPr>
+        <p:blipFill>
+          <a:blip r:embed="rId2" cstate="print">
+            <a:extLst>
+              <a:ext uri="{28A0092B-C50C-407E-A947-70E740481C1C}">
+                <a14:useLocalDpi xmlns:a14="http://schemas.microsoft.com/office/drawing/2010/main" val="0"/>
+              </a:ext>
+            </a:extLst>
+          </a:blip>
+          <a:srcRect/>
+          <a:stretch>
+            <a:fillRect/>
+          </a:stretch>
+        </p:blipFill>
+        <p:spPr bwMode="auto">
           <a:xfrm>
-            <a:off x="6330504" y="5065319"/>
-            <a:ext cx="1928733" cy="369332"/>
+            <a:off x="1145691" y="1680308"/>
+            <a:ext cx="3428583" cy="2986427"/>
           </a:xfrm>
           <a:prstGeom prst="rect">
             <a:avLst/>
           </a:prstGeom>
+          <a:noFill/>
+          <a:extLst>
+            <a:ext uri="{909E8E84-426E-40DD-AFC4-6F175D3DCCD1}">
+              <a14:hiddenFill xmlns:a14="http://schemas.microsoft.com/office/drawing/2010/main">
+                <a:solidFill>
+                  <a:srgbClr val="FFFFFF"/>
+                </a:solidFill>
+              </a14:hiddenFill>
+            </a:ext>
+          </a:extLst>
         </p:spPr>
-        <p:txBody>
-          <a:bodyPr wrap="none">
-            <a:spAutoFit/>
-          </a:bodyPr>
-          <a:lstStyle/>
-          <a:p>
-            <a:r>
-              <a:rPr lang="en-US" dirty="0">
-                <a:solidFill>
-                  <a:srgbClr val="252525"/>
-                </a:solidFill>
-                <a:latin typeface="Arial" panose="020B0604020202020204" pitchFamily="34" charset="0"/>
-                <a:ea typeface="Calibri" panose="020F0502020204030204" pitchFamily="34" charset="0"/>
-              </a:rPr>
-              <a:t>power </a:t>
-            </a:r>
-            <a:r>
-              <a:rPr lang="en-US" dirty="0" smtClean="0">
-                <a:solidFill>
-                  <a:srgbClr val="252525"/>
-                </a:solidFill>
-                <a:latin typeface="Arial" panose="020B0604020202020204" pitchFamily="34" charset="0"/>
-                <a:ea typeface="Calibri" panose="020F0502020204030204" pitchFamily="34" charset="0"/>
-              </a:rPr>
-              <a:t>generator </a:t>
-            </a:r>
-            <a:endParaRPr lang="ru-RU" dirty="0"/>
+      </p:pic>
+      <p:sp>
+        <p:nvSpPr>
+          <p:cNvPr id="7" name="Объект 2"/>
+          <p:cNvSpPr>
+            <a:spLocks noGrp="1"/>
+          </p:cNvSpPr>
+          <p:nvPr>
+            <p:ph idx="1"/>
+          </p:nvPr>
+        </p:nvSpPr>
+        <p:spPr>
+          <a:xfrm>
+            <a:off x="5167806" y="1557473"/>
+            <a:ext cx="4781179" cy="3880773"/>
+          </a:xfrm>
+        </p:spPr>
+        <p:txBody>
+          <a:bodyPr/>
+          <a:lstStyle/>
+          <a:p>
+            <a:r>
+              <a:rPr lang="en-US" dirty="0" smtClean="0"/>
+              <a:t>flexible displays</a:t>
+            </a:r>
+          </a:p>
+          <a:p>
+            <a:r>
+              <a:rPr lang="en-US" dirty="0" smtClean="0"/>
+              <a:t>transistors</a:t>
+            </a:r>
+          </a:p>
+          <a:p>
+            <a:r>
+              <a:rPr lang="en-US" dirty="0"/>
+              <a:t>solar </a:t>
+            </a:r>
+            <a:r>
+              <a:rPr lang="en-US" dirty="0" smtClean="0"/>
+              <a:t>cells</a:t>
+            </a:r>
+          </a:p>
+          <a:p>
+            <a:endParaRPr lang="en-US" dirty="0" smtClean="0"/>
+          </a:p>
+          <a:p>
+            <a:endParaRPr lang="en-US" dirty="0" smtClean="0"/>
+          </a:p>
+          <a:p>
+            <a:endParaRPr lang="en-US" dirty="0" smtClean="0"/>
+          </a:p>
+          <a:p>
+            <a:endParaRPr lang="en-US" dirty="0" smtClean="0"/>
           </a:p>
         </p:txBody>
       </p:sp>
@@ -6958,42 +7026,12 @@
           <a:lstStyle/>
           <a:p>
             <a:r>
-              <a:rPr lang="en-US" dirty="0" err="1"/>
-              <a:t>Gersh</a:t>
+              <a:rPr lang="en-US" b="1" dirty="0"/>
+              <a:t>Nanomaterials</a:t>
             </a:r>
             <a:r>
               <a:rPr lang="en-US" dirty="0"/>
-              <a:t> </a:t>
-            </a:r>
-            <a:r>
-              <a:rPr lang="en-US" dirty="0" err="1"/>
-              <a:t>Itskovich</a:t>
-            </a:r>
-            <a:r>
-              <a:rPr lang="en-US" dirty="0"/>
-              <a:t> </a:t>
-            </a:r>
-            <a:r>
-              <a:rPr lang="en-US" dirty="0" err="1" smtClean="0"/>
-              <a:t>Budker</a:t>
-            </a:r>
-            <a:r>
-              <a:rPr lang="en-US" dirty="0" smtClean="0"/>
-              <a:t> was </a:t>
-            </a:r>
-            <a:r>
-              <a:rPr lang="en-US" dirty="0"/>
-              <a:t>a </a:t>
-            </a:r>
-            <a:r>
-              <a:rPr lang="en-US" dirty="0" smtClean="0"/>
-              <a:t>great scientist</a:t>
-            </a:r>
-          </a:p>
-          <a:p>
-            <a:r>
-              <a:rPr lang="en-US" dirty="0"/>
-              <a:t>Because of his ideas and enthusiasm our world made a significant leap ahead.</a:t>
+              <a:t> was discovered only ten years ago, but we have the variety of available applications now.</a:t>
             </a:r>
             <a:endParaRPr lang="en-US" dirty="0" smtClean="0"/>
           </a:p>
